--- a/Presentation.pptx
+++ b/Presentation.pptx
@@ -13,6 +13,9 @@
     <p:sldId id="261" r:id="rId7"/>
     <p:sldId id="262" r:id="rId8"/>
     <p:sldId id="263" r:id="rId9"/>
+    <p:sldId id="264" r:id="rId10"/>
+    <p:sldId id="265" r:id="rId11"/>
+    <p:sldId id="266" r:id="rId12"/>
   </p:sldIdLst>
   <p:sldSz cx="12192000" cy="6858000"/>
   <p:notesSz cx="6858000" cy="9144000"/>
@@ -111,6 +114,11 @@
       </a:defRPr>
     </a:lvl9pPr>
   </p:defaultTextStyle>
+  <p:extLst>
+    <p:ext uri="{EFAFB233-063F-42B5-8137-9DF3F51BA10A}">
+      <p15:sldGuideLst xmlns:p15="http://schemas.microsoft.com/office/powerpoint/2012/main"/>
+    </p:ext>
+  </p:extLst>
 </p:presentation>
 </file>
 
@@ -860,7 +868,7 @@
             <a:fld id="{B61BEF0D-F0BB-DE4B-95CE-6DB70DBA9567}" type="datetimeFigureOut">
               <a:rPr lang="en-US" smtClean="0"/>
               <a:pPr/>
-              <a:t>12/9/2014</a:t>
+              <a:t>12/10/2014</a:t>
             </a:fld>
             <a:endParaRPr lang="en-US" dirty="0"/>
           </a:p>
@@ -1113,7 +1121,7 @@
             <a:fld id="{B61BEF0D-F0BB-DE4B-95CE-6DB70DBA9567}" type="datetimeFigureOut">
               <a:rPr lang="en-US" smtClean="0"/>
               <a:pPr/>
-              <a:t>12/9/2014</a:t>
+              <a:t>12/10/2014</a:t>
             </a:fld>
             <a:endParaRPr lang="en-US" dirty="0"/>
           </a:p>
@@ -1429,7 +1437,7 @@
             <a:fld id="{B61BEF0D-F0BB-DE4B-95CE-6DB70DBA9567}" type="datetimeFigureOut">
               <a:rPr lang="en-US" smtClean="0"/>
               <a:pPr/>
-              <a:t>12/9/2014</a:t>
+              <a:t>12/10/2014</a:t>
             </a:fld>
             <a:endParaRPr lang="en-US" dirty="0"/>
           </a:p>
@@ -1764,7 +1772,7 @@
             <a:fld id="{B61BEF0D-F0BB-DE4B-95CE-6DB70DBA9567}" type="datetimeFigureOut">
               <a:rPr lang="en-US" smtClean="0"/>
               <a:pPr/>
-              <a:t>12/9/2014</a:t>
+              <a:t>12/10/2014</a:t>
             </a:fld>
             <a:endParaRPr lang="en-US" dirty="0"/>
           </a:p>
@@ -2080,7 +2088,7 @@
             <a:fld id="{B61BEF0D-F0BB-DE4B-95CE-6DB70DBA9567}" type="datetimeFigureOut">
               <a:rPr lang="en-US" smtClean="0"/>
               <a:pPr/>
-              <a:t>12/9/2014</a:t>
+              <a:t>12/10/2014</a:t>
             </a:fld>
             <a:endParaRPr lang="en-US" dirty="0"/>
           </a:p>
@@ -2475,7 +2483,7 @@
             <a:fld id="{B61BEF0D-F0BB-DE4B-95CE-6DB70DBA9567}" type="datetimeFigureOut">
               <a:rPr lang="en-US" smtClean="0"/>
               <a:pPr/>
-              <a:t>12/9/2014</a:t>
+              <a:t>12/10/2014</a:t>
             </a:fld>
             <a:endParaRPr lang="en-US" dirty="0"/>
           </a:p>
@@ -2646,7 +2654,7 @@
           <a:p>
             <a:fld id="{55C6B4A9-1611-4792-9094-5F34BCA07E0B}" type="datetimeFigureOut">
               <a:rPr lang="en-US" smtClean="0"/>
-              <a:t>12/9/2014</a:t>
+              <a:t>12/10/2014</a:t>
             </a:fld>
             <a:endParaRPr lang="en-US" dirty="0"/>
           </a:p>
@@ -2827,7 +2835,7 @@
             <a:fld id="{B61BEF0D-F0BB-DE4B-95CE-6DB70DBA9567}" type="datetimeFigureOut">
               <a:rPr lang="en-US" smtClean="0"/>
               <a:pPr/>
-              <a:t>12/9/2014</a:t>
+              <a:t>12/10/2014</a:t>
             </a:fld>
             <a:endParaRPr lang="en-US" dirty="0"/>
           </a:p>
@@ -2999,7 +3007,7 @@
             <a:fld id="{B61BEF0D-F0BB-DE4B-95CE-6DB70DBA9567}" type="datetimeFigureOut">
               <a:rPr lang="en-US" smtClean="0"/>
               <a:pPr/>
-              <a:t>12/9/2014</a:t>
+              <a:t>12/10/2014</a:t>
             </a:fld>
             <a:endParaRPr lang="en-US" dirty="0"/>
           </a:p>
@@ -3248,7 +3256,7 @@
             <a:fld id="{B61BEF0D-F0BB-DE4B-95CE-6DB70DBA9567}" type="datetimeFigureOut">
               <a:rPr lang="en-US" smtClean="0"/>
               <a:pPr/>
-              <a:t>12/9/2014</a:t>
+              <a:t>12/10/2014</a:t>
             </a:fld>
             <a:endParaRPr lang="en-US" dirty="0"/>
           </a:p>
@@ -3481,7 +3489,7 @@
           <a:p>
             <a:fld id="{EB712588-04B1-427B-82EE-E8DB90309F08}" type="datetimeFigureOut">
               <a:rPr lang="en-US" smtClean="0"/>
-              <a:t>12/9/2014</a:t>
+              <a:t>12/10/2014</a:t>
             </a:fld>
             <a:endParaRPr lang="en-US" dirty="0"/>
           </a:p>
@@ -3856,7 +3864,7 @@
             <a:fld id="{B61BEF0D-F0BB-DE4B-95CE-6DB70DBA9567}" type="datetimeFigureOut">
               <a:rPr lang="en-US" smtClean="0"/>
               <a:pPr/>
-              <a:t>12/9/2014</a:t>
+              <a:t>12/10/2014</a:t>
             </a:fld>
             <a:endParaRPr lang="en-US" dirty="0"/>
           </a:p>
@@ -3981,7 +3989,7 @@
             <a:fld id="{B61BEF0D-F0BB-DE4B-95CE-6DB70DBA9567}" type="datetimeFigureOut">
               <a:rPr lang="en-US" smtClean="0"/>
               <a:pPr/>
-              <a:t>12/9/2014</a:t>
+              <a:t>12/10/2014</a:t>
             </a:fld>
             <a:endParaRPr lang="en-US" dirty="0"/>
           </a:p>
@@ -4078,7 +4086,7 @@
             <a:fld id="{B61BEF0D-F0BB-DE4B-95CE-6DB70DBA9567}" type="datetimeFigureOut">
               <a:rPr lang="en-US" smtClean="0"/>
               <a:pPr/>
-              <a:t>12/9/2014</a:t>
+              <a:t>12/10/2014</a:t>
             </a:fld>
             <a:endParaRPr lang="en-US" dirty="0"/>
           </a:p>
@@ -4334,7 +4342,7 @@
           <a:p>
             <a:fld id="{42A54C80-263E-416B-A8E0-580EDEADCBDC}" type="datetimeFigureOut">
               <a:rPr lang="en-US" smtClean="0"/>
-              <a:t>12/9/2014</a:t>
+              <a:t>12/10/2014</a:t>
             </a:fld>
             <a:endParaRPr lang="en-US" dirty="0"/>
           </a:p>
@@ -4641,7 +4649,7 @@
             <a:fld id="{B61BEF0D-F0BB-DE4B-95CE-6DB70DBA9567}" type="datetimeFigureOut">
               <a:rPr lang="en-US" smtClean="0"/>
               <a:pPr/>
-              <a:t>12/9/2014</a:t>
+              <a:t>12/10/2014</a:t>
             </a:fld>
             <a:endParaRPr lang="en-US" dirty="0"/>
           </a:p>
@@ -5344,7 +5352,7 @@
             <a:fld id="{B61BEF0D-F0BB-DE4B-95CE-6DB70DBA9567}" type="datetimeFigureOut">
               <a:rPr lang="en-US" smtClean="0"/>
               <a:pPr/>
-              <a:t>12/9/2014</a:t>
+              <a:t>12/10/2014</a:t>
             </a:fld>
             <a:endParaRPr lang="en-US" dirty="0"/>
           </a:p>
@@ -6097,6 +6105,201 @@
 </p:sld>
 </file>
 
+<file path=ppt/slides/slide10.xml><?xml version="1.0" encoding="utf-8"?>
+<p:sld xmlns:a="http://schemas.openxmlformats.org/drawingml/2006/main" xmlns:r="http://schemas.openxmlformats.org/officeDocument/2006/relationships" xmlns:p="http://schemas.openxmlformats.org/presentationml/2006/main">
+  <p:cSld>
+    <p:spTree>
+      <p:nvGrpSpPr>
+        <p:cNvPr id="1" name=""/>
+        <p:cNvGrpSpPr/>
+        <p:nvPr/>
+      </p:nvGrpSpPr>
+      <p:grpSpPr>
+        <a:xfrm>
+          <a:off x="0" y="0"/>
+          <a:ext cx="0" cy="0"/>
+          <a:chOff x="0" y="0"/>
+          <a:chExt cx="0" cy="0"/>
+        </a:xfrm>
+      </p:grpSpPr>
+      <p:sp>
+        <p:nvSpPr>
+          <p:cNvPr id="2" name="Title 1"/>
+          <p:cNvSpPr>
+            <a:spLocks noGrp="1"/>
+          </p:cNvSpPr>
+          <p:nvPr>
+            <p:ph type="title"/>
+          </p:nvPr>
+        </p:nvSpPr>
+        <p:spPr/>
+        <p:txBody>
+          <a:bodyPr/>
+          <a:lstStyle/>
+          <a:p>
+            <a:r>
+              <a:rPr lang="en-US" dirty="0" smtClean="0"/>
+              <a:t>Statistics	</a:t>
+            </a:r>
+            <a:endParaRPr lang="en-US" dirty="0"/>
+          </a:p>
+        </p:txBody>
+      </p:sp>
+      <p:sp>
+        <p:nvSpPr>
+          <p:cNvPr id="3" name="Content Placeholder 2"/>
+          <p:cNvSpPr>
+            <a:spLocks noGrp="1"/>
+          </p:cNvSpPr>
+          <p:nvPr>
+            <p:ph idx="1"/>
+          </p:nvPr>
+        </p:nvSpPr>
+        <p:spPr/>
+        <p:txBody>
+          <a:bodyPr/>
+          <a:lstStyle/>
+          <a:p>
+            <a:r>
+              <a:rPr lang="en-US" dirty="0" smtClean="0"/>
+              <a:t>Classes: 17</a:t>
+            </a:r>
+          </a:p>
+          <a:p>
+            <a:r>
+              <a:rPr lang="en-US" dirty="0" smtClean="0"/>
+              <a:t>DAOs: 12</a:t>
+            </a:r>
+          </a:p>
+          <a:p>
+            <a:r>
+              <a:rPr lang="en-US" dirty="0" smtClean="0"/>
+              <a:t>No. of Data Tables: 12</a:t>
+            </a:r>
+          </a:p>
+          <a:p>
+            <a:r>
+              <a:rPr lang="en-US" dirty="0" smtClean="0"/>
+              <a:t>No. of Fields: 50</a:t>
+            </a:r>
+          </a:p>
+          <a:p>
+            <a:r>
+              <a:rPr lang="en-US" dirty="0" smtClean="0"/>
+              <a:t>Foreign Keys: 8</a:t>
+            </a:r>
+            <a:endParaRPr lang="en-US" dirty="0"/>
+          </a:p>
+        </p:txBody>
+      </p:sp>
+    </p:spTree>
+    <p:extLst>
+      <p:ext uri="{BB962C8B-B14F-4D97-AF65-F5344CB8AC3E}">
+        <p14:creationId xmlns:p14="http://schemas.microsoft.com/office/powerpoint/2010/main" val="2562444890"/>
+      </p:ext>
+    </p:extLst>
+  </p:cSld>
+  <p:clrMapOvr>
+    <a:masterClrMapping/>
+  </p:clrMapOvr>
+  <p:timing>
+    <p:tnLst>
+      <p:par>
+        <p:cTn id="1" dur="indefinite" restart="never" nodeType="tmRoot"/>
+      </p:par>
+    </p:tnLst>
+  </p:timing>
+</p:sld>
+</file>
+
+<file path=ppt/slides/slide11.xml><?xml version="1.0" encoding="utf-8"?>
+<p:sld xmlns:a="http://schemas.openxmlformats.org/drawingml/2006/main" xmlns:r="http://schemas.openxmlformats.org/officeDocument/2006/relationships" xmlns:p="http://schemas.openxmlformats.org/presentationml/2006/main">
+  <p:cSld>
+    <p:spTree>
+      <p:nvGrpSpPr>
+        <p:cNvPr id="1" name=""/>
+        <p:cNvGrpSpPr/>
+        <p:nvPr/>
+      </p:nvGrpSpPr>
+      <p:grpSpPr>
+        <a:xfrm>
+          <a:off x="0" y="0"/>
+          <a:ext cx="0" cy="0"/>
+          <a:chOff x="0" y="0"/>
+          <a:chExt cx="0" cy="0"/>
+        </a:xfrm>
+      </p:grpSpPr>
+      <p:sp>
+        <p:nvSpPr>
+          <p:cNvPr id="2" name="Title 1"/>
+          <p:cNvSpPr>
+            <a:spLocks noGrp="1"/>
+          </p:cNvSpPr>
+          <p:nvPr>
+            <p:ph type="title"/>
+          </p:nvPr>
+        </p:nvSpPr>
+        <p:spPr/>
+        <p:txBody>
+          <a:bodyPr/>
+          <a:lstStyle/>
+          <a:p>
+            <a:pPr algn="ctr"/>
+            <a:r>
+              <a:rPr lang="en-US" dirty="0" smtClean="0">
+                <a:solidFill>
+                  <a:srgbClr val="002060"/>
+                </a:solidFill>
+              </a:rPr>
+              <a:t>THANK YOU</a:t>
+            </a:r>
+            <a:endParaRPr lang="en-US" dirty="0">
+              <a:solidFill>
+                <a:srgbClr val="002060"/>
+              </a:solidFill>
+            </a:endParaRPr>
+          </a:p>
+        </p:txBody>
+      </p:sp>
+      <p:sp>
+        <p:nvSpPr>
+          <p:cNvPr id="3" name="Content Placeholder 2"/>
+          <p:cNvSpPr>
+            <a:spLocks noGrp="1"/>
+          </p:cNvSpPr>
+          <p:nvPr>
+            <p:ph idx="1"/>
+          </p:nvPr>
+        </p:nvSpPr>
+        <p:spPr/>
+        <p:txBody>
+          <a:bodyPr/>
+          <a:lstStyle/>
+          <a:p>
+            <a:endParaRPr lang="en-US" dirty="0"/>
+          </a:p>
+        </p:txBody>
+      </p:sp>
+    </p:spTree>
+    <p:extLst>
+      <p:ext uri="{BB962C8B-B14F-4D97-AF65-F5344CB8AC3E}">
+        <p14:creationId xmlns:p14="http://schemas.microsoft.com/office/powerpoint/2010/main" val="1924043118"/>
+      </p:ext>
+    </p:extLst>
+  </p:cSld>
+  <p:clrMapOvr>
+    <a:masterClrMapping/>
+  </p:clrMapOvr>
+  <p:timing>
+    <p:tnLst>
+      <p:par>
+        <p:cTn id="1" dur="indefinite" restart="never" nodeType="tmRoot"/>
+      </p:par>
+    </p:tnLst>
+  </p:timing>
+</p:sld>
+</file>
+
 <file path=ppt/slides/slide2.xml><?xml version="1.0" encoding="utf-8"?>
 <p:sld xmlns:a="http://schemas.openxmlformats.org/drawingml/2006/main" xmlns:r="http://schemas.openxmlformats.org/officeDocument/2006/relationships" xmlns:p="http://schemas.openxmlformats.org/presentationml/2006/main">
   <p:cSld>
@@ -6433,11 +6636,6 @@
               </a:rPr>
               <a:t>Architecture</a:t>
             </a:r>
-            <a:endParaRPr lang="en-US" dirty="0">
-              <a:solidFill>
-                <a:srgbClr val="0070C0"/>
-              </a:solidFill>
-            </a:endParaRPr>
           </a:p>
         </p:txBody>
       </p:sp>
@@ -7474,7 +7672,6 @@
               <a:rPr lang="en-US" dirty="0"/>
               <a:t>Flights not available</a:t>
             </a:r>
-            <a:endParaRPr lang="en-US" dirty="0"/>
           </a:p>
         </p:txBody>
       </p:sp>
@@ -7710,6 +7907,104 @@
     <p:extLst>
       <p:ext uri="{BB962C8B-B14F-4D97-AF65-F5344CB8AC3E}">
         <p14:creationId xmlns:p14="http://schemas.microsoft.com/office/powerpoint/2010/main" val="169743531"/>
+      </p:ext>
+    </p:extLst>
+  </p:cSld>
+  <p:clrMapOvr>
+    <a:masterClrMapping/>
+  </p:clrMapOvr>
+  <p:timing>
+    <p:tnLst>
+      <p:par>
+        <p:cTn id="1" dur="indefinite" restart="never" nodeType="tmRoot"/>
+      </p:par>
+    </p:tnLst>
+  </p:timing>
+</p:sld>
+</file>
+
+<file path=ppt/slides/slide9.xml><?xml version="1.0" encoding="utf-8"?>
+<p:sld xmlns:a="http://schemas.openxmlformats.org/drawingml/2006/main" xmlns:r="http://schemas.openxmlformats.org/officeDocument/2006/relationships" xmlns:p="http://schemas.openxmlformats.org/presentationml/2006/main">
+  <p:cSld>
+    <p:spTree>
+      <p:nvGrpSpPr>
+        <p:cNvPr id="1" name=""/>
+        <p:cNvGrpSpPr/>
+        <p:nvPr/>
+      </p:nvGrpSpPr>
+      <p:grpSpPr>
+        <a:xfrm>
+          <a:off x="0" y="0"/>
+          <a:ext cx="0" cy="0"/>
+          <a:chOff x="0" y="0"/>
+          <a:chExt cx="0" cy="0"/>
+        </a:xfrm>
+      </p:grpSpPr>
+      <p:sp>
+        <p:nvSpPr>
+          <p:cNvPr id="2" name="Title 1"/>
+          <p:cNvSpPr>
+            <a:spLocks noGrp="1"/>
+          </p:cNvSpPr>
+          <p:nvPr>
+            <p:ph type="title"/>
+          </p:nvPr>
+        </p:nvSpPr>
+        <p:spPr/>
+        <p:txBody>
+          <a:bodyPr/>
+          <a:lstStyle/>
+          <a:p>
+            <a:pPr algn="ctr"/>
+            <a:r>
+              <a:rPr lang="en-US" dirty="0" smtClean="0">
+                <a:solidFill>
+                  <a:srgbClr val="002060"/>
+                </a:solidFill>
+              </a:rPr>
+              <a:t>CLASS DIAGRAM</a:t>
+            </a:r>
+            <a:endParaRPr lang="en-US" dirty="0">
+              <a:solidFill>
+                <a:srgbClr val="002060"/>
+              </a:solidFill>
+            </a:endParaRPr>
+          </a:p>
+        </p:txBody>
+      </p:sp>
+      <p:pic>
+        <p:nvPicPr>
+          <p:cNvPr id="4" name="Content Placeholder 3"/>
+          <p:cNvPicPr>
+            <a:picLocks noGrp="1" noChangeAspect="1"/>
+          </p:cNvPicPr>
+          <p:nvPr>
+            <p:ph idx="1"/>
+          </p:nvPr>
+        </p:nvPicPr>
+        <p:blipFill>
+          <a:blip r:embed="rId2">
+            <a:extLst>
+              <a:ext uri="{28A0092B-C50C-407E-A947-70E740481C1C}">
+                <a14:useLocalDpi xmlns:a14="http://schemas.microsoft.com/office/drawing/2010/main" val="0"/>
+              </a:ext>
+            </a:extLst>
+          </a:blip>
+          <a:stretch>
+            <a:fillRect/>
+          </a:stretch>
+        </p:blipFill>
+        <p:spPr>
+          <a:xfrm>
+            <a:off x="844077" y="1237843"/>
+            <a:ext cx="9046898" cy="5455030"/>
+          </a:xfrm>
+        </p:spPr>
+      </p:pic>
+    </p:spTree>
+    <p:extLst>
+      <p:ext uri="{BB962C8B-B14F-4D97-AF65-F5344CB8AC3E}">
+        <p14:creationId xmlns:p14="http://schemas.microsoft.com/office/powerpoint/2010/main" val="426775435"/>
       </p:ext>
     </p:extLst>
   </p:cSld>
